--- a/Images/Figures_PPT/ComponentsStreptophytaPieChart.pptx
+++ b/Images/Figures_PPT/ComponentsStreptophytaPieChart.pptx
@@ -3039,7 +3039,7 @@
               </a:pathLst>
             </a:custGeom>
             <a:solidFill>
-              <a:srgbClr val="00BFC4">
+              <a:srgbClr val="9CC5A1">
                 <a:alpha val="100000"/>
               </a:srgbClr>
             </a:solidFill>
@@ -3256,7 +3256,7 @@
               </a:pathLst>
             </a:custGeom>
             <a:solidFill>
-              <a:srgbClr val="F8766D">
+              <a:srgbClr val="819595">
                 <a:alpha val="100000"/>
               </a:srgbClr>
             </a:solidFill>

--- a/Images/Figures_PPT/ComponentsStreptophytaPieChart.pptx
+++ b/Images/Figures_PPT/ComponentsStreptophytaPieChart.pptx
@@ -2298,741 +2298,741 @@
           </p:nvSpPr>
           <p:spPr>
             <a:xfrm>
-              <a:off x="3012810" y="1749568"/>
-              <a:ext cx="4947001" cy="4947142"/>
+              <a:off x="3012875" y="1749568"/>
+              <a:ext cx="4947049" cy="4946871"/>
             </a:xfrm>
             <a:custGeom>
               <a:avLst/>
               <a:pathLst>
-                <a:path w="4947001" h="4947142">
+                <a:path w="4947049" h="4946871">
                   <a:moveTo>
-                    <a:pt x="2473589" y="2473613"/>
+                    <a:pt x="2473524" y="2473613"/>
                   </a:moveTo>
                   <a:lnTo>
-                    <a:pt x="2472121" y="2388329"/>
-                  </a:lnTo>
-                  <a:lnTo>
-                    <a:pt x="2470653" y="2303045"/>
-                  </a:lnTo>
-                  <a:lnTo>
-                    <a:pt x="2469184" y="2217760"/>
-                  </a:lnTo>
-                  <a:lnTo>
-                    <a:pt x="2467716" y="2132476"/>
-                  </a:lnTo>
-                  <a:lnTo>
-                    <a:pt x="2466248" y="2047191"/>
-                  </a:lnTo>
-                  <a:lnTo>
-                    <a:pt x="2464780" y="1961907"/>
-                  </a:lnTo>
-                  <a:lnTo>
-                    <a:pt x="2463311" y="1876623"/>
-                  </a:lnTo>
-                  <a:lnTo>
-                    <a:pt x="2461843" y="1791338"/>
-                  </a:lnTo>
-                  <a:lnTo>
-                    <a:pt x="2460375" y="1706054"/>
-                  </a:lnTo>
-                  <a:lnTo>
-                    <a:pt x="2458907" y="1620769"/>
-                  </a:lnTo>
-                  <a:lnTo>
-                    <a:pt x="2457438" y="1535485"/>
-                  </a:lnTo>
-                  <a:lnTo>
-                    <a:pt x="2455970" y="1450201"/>
-                  </a:lnTo>
-                  <a:lnTo>
-                    <a:pt x="2454502" y="1364916"/>
-                  </a:lnTo>
-                  <a:lnTo>
-                    <a:pt x="2453034" y="1279632"/>
-                  </a:lnTo>
-                  <a:lnTo>
-                    <a:pt x="2451565" y="1194348"/>
-                  </a:lnTo>
-                  <a:lnTo>
-                    <a:pt x="2450097" y="1109063"/>
-                  </a:lnTo>
-                  <a:lnTo>
-                    <a:pt x="2448629" y="1023779"/>
-                  </a:lnTo>
-                  <a:lnTo>
-                    <a:pt x="2447161" y="938494"/>
-                  </a:lnTo>
-                  <a:lnTo>
-                    <a:pt x="2445692" y="853210"/>
-                  </a:lnTo>
-                  <a:lnTo>
-                    <a:pt x="2444224" y="767926"/>
-                  </a:lnTo>
-                  <a:lnTo>
-                    <a:pt x="2442756" y="682641"/>
-                  </a:lnTo>
-                  <a:lnTo>
-                    <a:pt x="2441288" y="597357"/>
-                  </a:lnTo>
-                  <a:lnTo>
-                    <a:pt x="2439819" y="512072"/>
-                  </a:lnTo>
-                  <a:lnTo>
-                    <a:pt x="2438351" y="426788"/>
-                  </a:lnTo>
-                  <a:lnTo>
-                    <a:pt x="2436883" y="341504"/>
-                  </a:lnTo>
-                  <a:lnTo>
-                    <a:pt x="2435415" y="256219"/>
-                  </a:lnTo>
-                  <a:lnTo>
-                    <a:pt x="2433946" y="170935"/>
-                  </a:lnTo>
-                  <a:lnTo>
-                    <a:pt x="2432478" y="85650"/>
-                  </a:lnTo>
-                  <a:lnTo>
-                    <a:pt x="2431010" y="366"/>
-                  </a:lnTo>
-                  <a:lnTo>
-                    <a:pt x="2347281" y="3226"/>
-                  </a:lnTo>
-                  <a:lnTo>
-                    <a:pt x="2263697" y="8920"/>
-                  </a:lnTo>
-                  <a:lnTo>
-                    <a:pt x="2180354" y="17442"/>
-                  </a:lnTo>
-                  <a:lnTo>
-                    <a:pt x="2097347" y="28780"/>
-                  </a:lnTo>
-                  <a:lnTo>
-                    <a:pt x="2014772" y="42924"/>
-                  </a:lnTo>
-                  <a:lnTo>
-                    <a:pt x="1932723" y="59855"/>
-                  </a:lnTo>
-                  <a:lnTo>
-                    <a:pt x="1851295" y="79555"/>
-                  </a:lnTo>
-                  <a:lnTo>
-                    <a:pt x="1770580" y="102001"/>
-                  </a:lnTo>
-                  <a:lnTo>
-                    <a:pt x="1690672" y="127168"/>
-                  </a:lnTo>
-                  <a:lnTo>
-                    <a:pt x="1611662" y="155026"/>
-                  </a:lnTo>
-                  <a:lnTo>
-                    <a:pt x="1533641" y="185544"/>
-                  </a:lnTo>
-                  <a:lnTo>
-                    <a:pt x="1456697" y="218686"/>
-                  </a:lnTo>
-                  <a:lnTo>
-                    <a:pt x="1380920" y="254415"/>
-                  </a:lnTo>
-                  <a:lnTo>
-                    <a:pt x="1306397" y="292690"/>
-                  </a:lnTo>
-                  <a:lnTo>
-                    <a:pt x="1233212" y="333466"/>
-                  </a:lnTo>
-                  <a:lnTo>
-                    <a:pt x="1161451" y="376697"/>
-                  </a:lnTo>
-                  <a:lnTo>
-                    <a:pt x="1091194" y="422333"/>
-                  </a:lnTo>
-                  <a:lnTo>
-                    <a:pt x="1022523" y="470323"/>
-                  </a:lnTo>
-                  <a:lnTo>
-                    <a:pt x="955517" y="520610"/>
-                  </a:lnTo>
-                  <a:lnTo>
-                    <a:pt x="890251" y="573138"/>
-                  </a:lnTo>
-                  <a:lnTo>
-                    <a:pt x="826802" y="627845"/>
-                  </a:lnTo>
-                  <a:lnTo>
-                    <a:pt x="765243" y="684670"/>
-                  </a:lnTo>
-                  <a:lnTo>
-                    <a:pt x="705642" y="743547"/>
-                  </a:lnTo>
-                  <a:lnTo>
-                    <a:pt x="648070" y="804408"/>
-                  </a:lnTo>
-                  <a:lnTo>
-                    <a:pt x="592592" y="867184"/>
-                  </a:lnTo>
-                  <a:lnTo>
-                    <a:pt x="539271" y="931803"/>
-                  </a:lnTo>
-                  <a:lnTo>
-                    <a:pt x="488169" y="998190"/>
-                  </a:lnTo>
-                  <a:lnTo>
-                    <a:pt x="439344" y="1066270"/>
-                  </a:lnTo>
-                  <a:lnTo>
-                    <a:pt x="392853" y="1135964"/>
-                  </a:lnTo>
-                  <a:lnTo>
-                    <a:pt x="348749" y="1207193"/>
-                  </a:lnTo>
-                  <a:lnTo>
-                    <a:pt x="307082" y="1279874"/>
-                  </a:lnTo>
-                  <a:lnTo>
-                    <a:pt x="267900" y="1353924"/>
-                  </a:lnTo>
-                  <a:lnTo>
-                    <a:pt x="231249" y="1429259"/>
-                  </a:lnTo>
-                  <a:lnTo>
-                    <a:pt x="197169" y="1505792"/>
-                  </a:lnTo>
-                  <a:lnTo>
-                    <a:pt x="165701" y="1583435"/>
-                  </a:lnTo>
-                  <a:lnTo>
-                    <a:pt x="136880" y="1662099"/>
-                  </a:lnTo>
-                  <a:lnTo>
-                    <a:pt x="110739" y="1741694"/>
-                  </a:lnTo>
-                  <a:lnTo>
-                    <a:pt x="87309" y="1822128"/>
-                  </a:lnTo>
-                  <a:lnTo>
-                    <a:pt x="66616" y="1903310"/>
-                  </a:lnTo>
-                  <a:lnTo>
-                    <a:pt x="48684" y="1985146"/>
-                  </a:lnTo>
-                  <a:lnTo>
-                    <a:pt x="33533" y="2067542"/>
-                  </a:lnTo>
-                  <a:lnTo>
-                    <a:pt x="21182" y="2150404"/>
-                  </a:lnTo>
-                  <a:lnTo>
-                    <a:pt x="11643" y="2233637"/>
-                  </a:lnTo>
-                  <a:lnTo>
-                    <a:pt x="4929" y="2317145"/>
-                  </a:lnTo>
-                  <a:lnTo>
-                    <a:pt x="1046" y="2400833"/>
-                  </a:lnTo>
-                  <a:lnTo>
-                    <a:pt x="0" y="2484604"/>
-                  </a:lnTo>
-                  <a:lnTo>
-                    <a:pt x="1790" y="2568362"/>
-                  </a:lnTo>
-                  <a:lnTo>
-                    <a:pt x="6417" y="2652012"/>
-                  </a:lnTo>
-                  <a:lnTo>
-                    <a:pt x="13873" y="2735457"/>
-                  </a:lnTo>
-                  <a:lnTo>
-                    <a:pt x="24151" y="2818602"/>
-                  </a:lnTo>
-                  <a:lnTo>
-                    <a:pt x="37238" y="2901351"/>
-                  </a:lnTo>
-                  <a:lnTo>
-                    <a:pt x="53120" y="2983609"/>
-                  </a:lnTo>
-                  <a:lnTo>
-                    <a:pt x="71779" y="3065283"/>
-                  </a:lnTo>
-                  <a:lnTo>
-                    <a:pt x="93192" y="3146278"/>
-                  </a:lnTo>
-                  <a:lnTo>
-                    <a:pt x="117336" y="3226501"/>
-                  </a:lnTo>
-                  <a:lnTo>
-                    <a:pt x="144183" y="3305860"/>
-                  </a:lnTo>
-                  <a:lnTo>
-                    <a:pt x="173702" y="3384265"/>
-                  </a:lnTo>
-                  <a:lnTo>
-                    <a:pt x="205859" y="3461625"/>
-                  </a:lnTo>
-                  <a:lnTo>
-                    <a:pt x="240617" y="3537852"/>
-                  </a:lnTo>
-                  <a:lnTo>
-                    <a:pt x="277937" y="3612858"/>
-                  </a:lnTo>
-                  <a:lnTo>
-                    <a:pt x="317775" y="3686558"/>
-                  </a:lnTo>
-                  <a:lnTo>
-                    <a:pt x="360087" y="3758866"/>
-                  </a:lnTo>
-                  <a:lnTo>
-                    <a:pt x="404822" y="3829699"/>
-                  </a:lnTo>
-                  <a:lnTo>
-                    <a:pt x="451931" y="3898978"/>
-                  </a:lnTo>
-                  <a:lnTo>
-                    <a:pt x="501358" y="3966621"/>
-                  </a:lnTo>
-                  <a:lnTo>
-                    <a:pt x="553048" y="4032551"/>
-                  </a:lnTo>
-                  <a:lnTo>
-                    <a:pt x="606941" y="4096694"/>
-                  </a:lnTo>
-                  <a:lnTo>
-                    <a:pt x="662975" y="4158974"/>
-                  </a:lnTo>
-                  <a:lnTo>
-                    <a:pt x="721086" y="4219322"/>
-                  </a:lnTo>
-                  <a:lnTo>
-                    <a:pt x="781207" y="4277667"/>
-                  </a:lnTo>
-                  <a:lnTo>
-                    <a:pt x="843269" y="4333942"/>
-                  </a:lnTo>
-                  <a:lnTo>
-                    <a:pt x="907202" y="4388084"/>
-                  </a:lnTo>
-                  <a:lnTo>
-                    <a:pt x="972931" y="4440029"/>
-                  </a:lnTo>
-                  <a:lnTo>
-                    <a:pt x="1040382" y="4489719"/>
-                  </a:lnTo>
-                  <a:lnTo>
-                    <a:pt x="1109476" y="4537097"/>
-                  </a:lnTo>
-                  <a:lnTo>
-                    <a:pt x="1180136" y="4582107"/>
-                  </a:lnTo>
-                  <a:lnTo>
-                    <a:pt x="1252279" y="4624699"/>
-                  </a:lnTo>
-                  <a:lnTo>
-                    <a:pt x="1325823" y="4664823"/>
-                  </a:lnTo>
-                  <a:lnTo>
-                    <a:pt x="1400684" y="4702434"/>
-                  </a:lnTo>
-                  <a:lnTo>
-                    <a:pt x="1476775" y="4737488"/>
-                  </a:lnTo>
-                  <a:lnTo>
-                    <a:pt x="1554010" y="4769945"/>
-                  </a:lnTo>
-                  <a:lnTo>
-                    <a:pt x="1632299" y="4799769"/>
-                  </a:lnTo>
-                  <a:lnTo>
-                    <a:pt x="1711554" y="4826924"/>
-                  </a:lnTo>
-                  <a:lnTo>
-                    <a:pt x="1791683" y="4851379"/>
-                  </a:lnTo>
-                  <a:lnTo>
-                    <a:pt x="1872593" y="4873107"/>
-                  </a:lnTo>
-                  <a:lnTo>
-                    <a:pt x="1954194" y="4892083"/>
-                  </a:lnTo>
-                  <a:lnTo>
-                    <a:pt x="2036390" y="4908284"/>
-                  </a:lnTo>
-                  <a:lnTo>
-                    <a:pt x="2119087" y="4921693"/>
-                  </a:lnTo>
-                  <a:lnTo>
-                    <a:pt x="2202192" y="4932294"/>
-                  </a:lnTo>
-                  <a:lnTo>
-                    <a:pt x="2285607" y="4940074"/>
-                  </a:lnTo>
-                  <a:lnTo>
-                    <a:pt x="2369238" y="4945025"/>
-                  </a:lnTo>
-                  <a:lnTo>
-                    <a:pt x="2452989" y="4947142"/>
-                  </a:lnTo>
-                  <a:lnTo>
-                    <a:pt x="2536764" y="4946421"/>
-                  </a:lnTo>
-                  <a:lnTo>
-                    <a:pt x="2620466" y="4942863"/>
-                  </a:lnTo>
-                  <a:lnTo>
-                    <a:pt x="2703999" y="4936473"/>
-                  </a:lnTo>
-                  <a:lnTo>
-                    <a:pt x="2787268" y="4927258"/>
-                  </a:lnTo>
-                  <a:lnTo>
-                    <a:pt x="2870178" y="4915228"/>
-                  </a:lnTo>
-                  <a:lnTo>
-                    <a:pt x="2952632" y="4900398"/>
-                  </a:lnTo>
-                  <a:lnTo>
-                    <a:pt x="3034537" y="4882784"/>
-                  </a:lnTo>
-                  <a:lnTo>
-                    <a:pt x="3115799" y="4862407"/>
-                  </a:lnTo>
-                  <a:lnTo>
-                    <a:pt x="3196324" y="4839289"/>
-                  </a:lnTo>
-                  <a:lnTo>
-                    <a:pt x="3276020" y="4813458"/>
-                  </a:lnTo>
-                  <a:lnTo>
-                    <a:pt x="3354795" y="4784942"/>
-                  </a:lnTo>
-                  <a:lnTo>
-                    <a:pt x="3432560" y="4753776"/>
-                  </a:lnTo>
-                  <a:lnTo>
-                    <a:pt x="3509224" y="4719994"/>
-                  </a:lnTo>
-                  <a:lnTo>
-                    <a:pt x="3584701" y="4683635"/>
-                  </a:lnTo>
-                  <a:lnTo>
-                    <a:pt x="3658903" y="4644741"/>
-                  </a:lnTo>
-                  <a:lnTo>
-                    <a:pt x="3731745" y="4603357"/>
-                  </a:lnTo>
-                  <a:lnTo>
-                    <a:pt x="3803145" y="4559530"/>
-                  </a:lnTo>
-                  <a:lnTo>
-                    <a:pt x="3873019" y="4513310"/>
-                  </a:lnTo>
-                  <a:lnTo>
-                    <a:pt x="3941288" y="4464750"/>
-                  </a:lnTo>
-                  <a:lnTo>
-                    <a:pt x="4007873" y="4413907"/>
-                  </a:lnTo>
-                  <a:lnTo>
-                    <a:pt x="4072699" y="4360837"/>
-                  </a:lnTo>
-                  <a:lnTo>
-                    <a:pt x="4135690" y="4305603"/>
-                  </a:lnTo>
-                  <a:lnTo>
-                    <a:pt x="4196774" y="4248268"/>
-                  </a:lnTo>
-                  <a:lnTo>
-                    <a:pt x="4255882" y="4188897"/>
-                  </a:lnTo>
-                  <a:lnTo>
-                    <a:pt x="4312946" y="4127558"/>
-                  </a:lnTo>
-                  <a:lnTo>
-                    <a:pt x="4367899" y="4064322"/>
-                  </a:lnTo>
-                  <a:lnTo>
-                    <a:pt x="4420680" y="3999262"/>
-                  </a:lnTo>
-                  <a:lnTo>
-                    <a:pt x="4471227" y="3932451"/>
-                  </a:lnTo>
-                  <a:lnTo>
-                    <a:pt x="4519483" y="3863967"/>
-                  </a:lnTo>
-                  <a:lnTo>
-                    <a:pt x="4565392" y="3793888"/>
-                  </a:lnTo>
-                  <a:lnTo>
-                    <a:pt x="4608902" y="3722295"/>
-                  </a:lnTo>
-                  <a:lnTo>
-                    <a:pt x="4649962" y="3649269"/>
-                  </a:lnTo>
-                  <a:lnTo>
-                    <a:pt x="4688526" y="3574895"/>
-                  </a:lnTo>
-                  <a:lnTo>
-                    <a:pt x="4724549" y="3499258"/>
-                  </a:lnTo>
-                  <a:lnTo>
-                    <a:pt x="4757990" y="3422444"/>
-                  </a:lnTo>
-                  <a:lnTo>
-                    <a:pt x="4788811" y="3344541"/>
-                  </a:lnTo>
-                  <a:lnTo>
-                    <a:pt x="4816975" y="3265640"/>
-                  </a:lnTo>
-                  <a:lnTo>
-                    <a:pt x="4842452" y="3185830"/>
-                  </a:lnTo>
-                  <a:lnTo>
-                    <a:pt x="4865212" y="3105203"/>
-                  </a:lnTo>
-                  <a:lnTo>
-                    <a:pt x="4885228" y="3023852"/>
-                  </a:lnTo>
-                  <a:lnTo>
-                    <a:pt x="4902478" y="2941870"/>
-                  </a:lnTo>
-                  <a:lnTo>
-                    <a:pt x="4916942" y="2859350"/>
-                  </a:lnTo>
-                  <a:lnTo>
-                    <a:pt x="4928603" y="2776388"/>
-                  </a:lnTo>
-                  <a:lnTo>
-                    <a:pt x="4937448" y="2693079"/>
-                  </a:lnTo>
-                  <a:lnTo>
-                    <a:pt x="4943467" y="2609517"/>
-                  </a:lnTo>
-                  <a:lnTo>
-                    <a:pt x="4946652" y="2525800"/>
-                  </a:lnTo>
-                  <a:lnTo>
-                    <a:pt x="4947001" y="2442024"/>
-                  </a:lnTo>
-                  <a:lnTo>
-                    <a:pt x="4944513" y="2358283"/>
-                  </a:lnTo>
-                  <a:lnTo>
-                    <a:pt x="4939190" y="2274675"/>
-                  </a:lnTo>
-                  <a:lnTo>
-                    <a:pt x="4931039" y="2191294"/>
-                  </a:lnTo>
-                  <a:lnTo>
-                    <a:pt x="4920070" y="2108238"/>
-                  </a:lnTo>
-                  <a:lnTo>
-                    <a:pt x="4906293" y="2025601"/>
-                  </a:lnTo>
-                  <a:lnTo>
-                    <a:pt x="4889727" y="1943478"/>
-                  </a:lnTo>
-                  <a:lnTo>
-                    <a:pt x="4870389" y="1861963"/>
-                  </a:lnTo>
-                  <a:lnTo>
-                    <a:pt x="4848301" y="1781149"/>
-                  </a:lnTo>
-                  <a:lnTo>
-                    <a:pt x="4823490" y="1701130"/>
-                  </a:lnTo>
-                  <a:lnTo>
-                    <a:pt x="4795983" y="1621997"/>
-                  </a:lnTo>
-                  <a:lnTo>
-                    <a:pt x="4765812" y="1543840"/>
-                  </a:lnTo>
-                  <a:lnTo>
-                    <a:pt x="4733012" y="1466751"/>
-                  </a:lnTo>
-                  <a:lnTo>
-                    <a:pt x="4697620" y="1390816"/>
-                  </a:lnTo>
-                  <a:lnTo>
-                    <a:pt x="4659677" y="1316123"/>
-                  </a:lnTo>
-                  <a:lnTo>
-                    <a:pt x="4619227" y="1242758"/>
-                  </a:lnTo>
-                  <a:lnTo>
-                    <a:pt x="4576315" y="1170805"/>
-                  </a:lnTo>
-                  <a:lnTo>
-                    <a:pt x="4530991" y="1100346"/>
-                  </a:lnTo>
-                  <a:lnTo>
-                    <a:pt x="4483307" y="1031463"/>
-                  </a:lnTo>
-                  <a:lnTo>
-                    <a:pt x="4433318" y="964233"/>
-                  </a:lnTo>
-                  <a:lnTo>
-                    <a:pt x="4381081" y="898735"/>
-                  </a:lnTo>
-                  <a:lnTo>
-                    <a:pt x="4326656" y="835044"/>
-                  </a:lnTo>
-                  <a:lnTo>
-                    <a:pt x="4270105" y="773232"/>
-                  </a:lnTo>
-                  <a:lnTo>
-                    <a:pt x="4211494" y="713371"/>
-                  </a:lnTo>
-                  <a:lnTo>
-                    <a:pt x="4150889" y="655529"/>
-                  </a:lnTo>
-                  <a:lnTo>
-                    <a:pt x="4088360" y="599772"/>
-                  </a:lnTo>
-                  <a:lnTo>
-                    <a:pt x="4023978" y="546165"/>
-                  </a:lnTo>
-                  <a:lnTo>
-                    <a:pt x="3957819" y="494768"/>
-                  </a:lnTo>
-                  <a:lnTo>
-                    <a:pt x="3889957" y="445642"/>
-                  </a:lnTo>
-                  <a:lnTo>
-                    <a:pt x="3820470" y="398842"/>
-                  </a:lnTo>
-                  <a:lnTo>
-                    <a:pt x="3749438" y="354421"/>
-                  </a:lnTo>
-                  <a:lnTo>
-                    <a:pt x="3676943" y="312432"/>
-                  </a:lnTo>
-                  <a:lnTo>
-                    <a:pt x="3603067" y="272921"/>
-                  </a:lnTo>
-                  <a:lnTo>
-                    <a:pt x="3527896" y="235935"/>
-                  </a:lnTo>
-                  <a:lnTo>
-                    <a:pt x="3451515" y="201516"/>
-                  </a:lnTo>
-                  <a:lnTo>
-                    <a:pt x="3374013" y="169703"/>
-                  </a:lnTo>
-                  <a:lnTo>
-                    <a:pt x="3295478" y="140533"/>
-                  </a:lnTo>
-                  <a:lnTo>
-                    <a:pt x="3216000" y="114039"/>
-                  </a:lnTo>
-                  <a:lnTo>
-                    <a:pt x="3135670" y="90251"/>
-                  </a:lnTo>
-                  <a:lnTo>
-                    <a:pt x="3054581" y="69198"/>
-                  </a:lnTo>
-                  <a:lnTo>
-                    <a:pt x="2972826" y="50902"/>
-                  </a:lnTo>
-                  <a:lnTo>
-                    <a:pt x="2890497" y="35386"/>
-                  </a:lnTo>
-                  <a:lnTo>
-                    <a:pt x="2807691" y="22666"/>
-                  </a:lnTo>
-                  <a:lnTo>
-                    <a:pt x="2724501" y="12758"/>
-                  </a:lnTo>
-                  <a:lnTo>
-                    <a:pt x="2641024" y="5673"/>
-                  </a:lnTo>
-                  <a:lnTo>
-                    <a:pt x="2557355" y="1418"/>
-                  </a:lnTo>
-                  <a:lnTo>
-                    <a:pt x="2473589" y="0"/>
-                  </a:lnTo>
-                  <a:lnTo>
-                    <a:pt x="2473589" y="85297"/>
-                  </a:lnTo>
-                  <a:lnTo>
-                    <a:pt x="2473589" y="170594"/>
-                  </a:lnTo>
-                  <a:lnTo>
-                    <a:pt x="2473589" y="255891"/>
-                  </a:lnTo>
-                  <a:lnTo>
-                    <a:pt x="2473589" y="341188"/>
-                  </a:lnTo>
-                  <a:lnTo>
-                    <a:pt x="2473589" y="426485"/>
-                  </a:lnTo>
-                  <a:lnTo>
-                    <a:pt x="2473589" y="511782"/>
-                  </a:lnTo>
-                  <a:lnTo>
-                    <a:pt x="2473589" y="597079"/>
-                  </a:lnTo>
-                  <a:lnTo>
-                    <a:pt x="2473589" y="682376"/>
-                  </a:lnTo>
-                  <a:lnTo>
-                    <a:pt x="2473589" y="767673"/>
-                  </a:lnTo>
-                  <a:lnTo>
-                    <a:pt x="2473589" y="852970"/>
-                  </a:lnTo>
-                  <a:lnTo>
-                    <a:pt x="2473589" y="938267"/>
-                  </a:lnTo>
-                  <a:lnTo>
-                    <a:pt x="2473589" y="1023564"/>
-                  </a:lnTo>
-                  <a:lnTo>
-                    <a:pt x="2473589" y="1108861"/>
-                  </a:lnTo>
-                  <a:lnTo>
-                    <a:pt x="2473589" y="1194158"/>
-                  </a:lnTo>
-                  <a:lnTo>
-                    <a:pt x="2473589" y="1279455"/>
-                  </a:lnTo>
-                  <a:lnTo>
-                    <a:pt x="2473589" y="1364752"/>
-                  </a:lnTo>
-                  <a:lnTo>
-                    <a:pt x="2473589" y="1450049"/>
-                  </a:lnTo>
-                  <a:lnTo>
-                    <a:pt x="2473589" y="1535346"/>
-                  </a:lnTo>
-                  <a:lnTo>
-                    <a:pt x="2473589" y="1620643"/>
-                  </a:lnTo>
-                  <a:lnTo>
-                    <a:pt x="2473589" y="1705940"/>
-                  </a:lnTo>
-                  <a:lnTo>
-                    <a:pt x="2473589" y="1791237"/>
-                  </a:lnTo>
-                  <a:lnTo>
-                    <a:pt x="2473589" y="1876534"/>
-                  </a:lnTo>
-                  <a:lnTo>
-                    <a:pt x="2473589" y="1961831"/>
-                  </a:lnTo>
-                  <a:lnTo>
-                    <a:pt x="2473589" y="2047128"/>
-                  </a:lnTo>
-                  <a:lnTo>
-                    <a:pt x="2473589" y="2132425"/>
-                  </a:lnTo>
-                  <a:lnTo>
-                    <a:pt x="2473589" y="2217722"/>
-                  </a:lnTo>
-                  <a:lnTo>
-                    <a:pt x="2473589" y="2303019"/>
-                  </a:lnTo>
-                  <a:lnTo>
-                    <a:pt x="2473589" y="2388316"/>
+                    <a:pt x="2473524" y="2388316"/>
+                  </a:lnTo>
+                  <a:lnTo>
+                    <a:pt x="2473524" y="2303019"/>
+                  </a:lnTo>
+                  <a:lnTo>
+                    <a:pt x="2473524" y="2217722"/>
+                  </a:lnTo>
+                  <a:lnTo>
+                    <a:pt x="2473524" y="2132425"/>
+                  </a:lnTo>
+                  <a:lnTo>
+                    <a:pt x="2473524" y="2047128"/>
+                  </a:lnTo>
+                  <a:lnTo>
+                    <a:pt x="2473524" y="1961831"/>
+                  </a:lnTo>
+                  <a:lnTo>
+                    <a:pt x="2473524" y="1876534"/>
+                  </a:lnTo>
+                  <a:lnTo>
+                    <a:pt x="2473524" y="1791237"/>
+                  </a:lnTo>
+                  <a:lnTo>
+                    <a:pt x="2473524" y="1705940"/>
+                  </a:lnTo>
+                  <a:lnTo>
+                    <a:pt x="2473524" y="1620643"/>
+                  </a:lnTo>
+                  <a:lnTo>
+                    <a:pt x="2473524" y="1535346"/>
+                  </a:lnTo>
+                  <a:lnTo>
+                    <a:pt x="2473524" y="1450049"/>
+                  </a:lnTo>
+                  <a:lnTo>
+                    <a:pt x="2473524" y="1364752"/>
+                  </a:lnTo>
+                  <a:lnTo>
+                    <a:pt x="2473524" y="1279455"/>
+                  </a:lnTo>
+                  <a:lnTo>
+                    <a:pt x="2473524" y="1194158"/>
+                  </a:lnTo>
+                  <a:lnTo>
+                    <a:pt x="2473524" y="1108861"/>
+                  </a:lnTo>
+                  <a:lnTo>
+                    <a:pt x="2473524" y="1023564"/>
+                  </a:lnTo>
+                  <a:lnTo>
+                    <a:pt x="2473524" y="938267"/>
+                  </a:lnTo>
+                  <a:lnTo>
+                    <a:pt x="2473524" y="852970"/>
+                  </a:lnTo>
+                  <a:lnTo>
+                    <a:pt x="2473524" y="767673"/>
+                  </a:lnTo>
+                  <a:lnTo>
+                    <a:pt x="2473524" y="682376"/>
+                  </a:lnTo>
+                  <a:lnTo>
+                    <a:pt x="2473524" y="597079"/>
+                  </a:lnTo>
+                  <a:lnTo>
+                    <a:pt x="2473524" y="511782"/>
+                  </a:lnTo>
+                  <a:lnTo>
+                    <a:pt x="2473524" y="426485"/>
+                  </a:lnTo>
+                  <a:lnTo>
+                    <a:pt x="2473524" y="341188"/>
+                  </a:lnTo>
+                  <a:lnTo>
+                    <a:pt x="2473524" y="255891"/>
+                  </a:lnTo>
+                  <a:lnTo>
+                    <a:pt x="2473524" y="170594"/>
+                  </a:lnTo>
+                  <a:lnTo>
+                    <a:pt x="2473524" y="85297"/>
+                  </a:lnTo>
+                  <a:lnTo>
+                    <a:pt x="2473524" y="0"/>
+                  </a:lnTo>
+                  <a:lnTo>
+                    <a:pt x="2389529" y="1426"/>
+                  </a:lnTo>
+                  <a:lnTo>
+                    <a:pt x="2305630" y="5704"/>
+                  </a:lnTo>
+                  <a:lnTo>
+                    <a:pt x="2221925" y="12828"/>
+                  </a:lnTo>
+                  <a:lnTo>
+                    <a:pt x="2138510" y="22791"/>
+                  </a:lnTo>
+                  <a:lnTo>
+                    <a:pt x="2055481" y="35580"/>
+                  </a:lnTo>
+                  <a:lnTo>
+                    <a:pt x="1972935" y="51182"/>
+                  </a:lnTo>
+                  <a:lnTo>
+                    <a:pt x="1890966" y="69577"/>
+                  </a:lnTo>
+                  <a:lnTo>
+                    <a:pt x="1809669" y="90745"/>
+                  </a:lnTo>
+                  <a:lnTo>
+                    <a:pt x="1729138" y="114661"/>
+                  </a:lnTo>
+                  <a:lnTo>
+                    <a:pt x="1649465" y="141299"/>
+                  </a:lnTo>
+                  <a:lnTo>
+                    <a:pt x="1570743" y="170626"/>
+                  </a:lnTo>
+                  <a:lnTo>
+                    <a:pt x="1493062" y="202609"/>
+                  </a:lnTo>
+                  <a:lnTo>
+                    <a:pt x="1416511" y="237212"/>
+                  </a:lnTo>
+                  <a:lnTo>
+                    <a:pt x="1341180" y="274395"/>
+                  </a:lnTo>
+                  <a:lnTo>
+                    <a:pt x="1267155" y="314114"/>
+                  </a:lnTo>
+                  <a:lnTo>
+                    <a:pt x="1194522" y="356323"/>
+                  </a:lnTo>
+                  <a:lnTo>
+                    <a:pt x="1123363" y="400975"/>
+                  </a:lnTo>
+                  <a:lnTo>
+                    <a:pt x="1053762" y="448017"/>
+                  </a:lnTo>
+                  <a:lnTo>
+                    <a:pt x="985798" y="497396"/>
+                  </a:lnTo>
+                  <a:lnTo>
+                    <a:pt x="919551" y="549053"/>
+                  </a:lnTo>
+                  <a:lnTo>
+                    <a:pt x="855095" y="602931"/>
+                  </a:lnTo>
+                  <a:lnTo>
+                    <a:pt x="792506" y="658966"/>
+                  </a:lnTo>
+                  <a:lnTo>
+                    <a:pt x="731856" y="717094"/>
+                  </a:lnTo>
+                  <a:lnTo>
+                    <a:pt x="673215" y="777249"/>
+                  </a:lnTo>
+                  <a:lnTo>
+                    <a:pt x="616651" y="839359"/>
+                  </a:lnTo>
+                  <a:lnTo>
+                    <a:pt x="562228" y="903355"/>
+                  </a:lnTo>
+                  <a:lnTo>
+                    <a:pt x="510009" y="969162"/>
+                  </a:lnTo>
+                  <a:lnTo>
+                    <a:pt x="460056" y="1036704"/>
+                  </a:lnTo>
+                  <a:lnTo>
+                    <a:pt x="412424" y="1105903"/>
+                  </a:lnTo>
+                  <a:lnTo>
+                    <a:pt x="367170" y="1176680"/>
+                  </a:lnTo>
+                  <a:lnTo>
+                    <a:pt x="324345" y="1248952"/>
+                  </a:lnTo>
+                  <a:lnTo>
+                    <a:pt x="283999" y="1322637"/>
+                  </a:lnTo>
+                  <a:lnTo>
+                    <a:pt x="246179" y="1397650"/>
+                  </a:lnTo>
+                  <a:lnTo>
+                    <a:pt x="210927" y="1473904"/>
+                  </a:lnTo>
+                  <a:lnTo>
+                    <a:pt x="178285" y="1551310"/>
+                  </a:lnTo>
+                  <a:lnTo>
+                    <a:pt x="148290" y="1629781"/>
+                  </a:lnTo>
+                  <a:lnTo>
+                    <a:pt x="120978" y="1709225"/>
+                  </a:lnTo>
+                  <a:lnTo>
+                    <a:pt x="96378" y="1789550"/>
+                  </a:lnTo>
+                  <a:lnTo>
+                    <a:pt x="74521" y="1870664"/>
+                  </a:lnTo>
+                  <a:lnTo>
+                    <a:pt x="55430" y="1952474"/>
+                  </a:lnTo>
+                  <a:lnTo>
+                    <a:pt x="39128" y="2034885"/>
+                  </a:lnTo>
+                  <a:lnTo>
+                    <a:pt x="25635" y="2117802"/>
+                  </a:lnTo>
+                  <a:lnTo>
+                    <a:pt x="14964" y="2201129"/>
+                  </a:lnTo>
+                  <a:lnTo>
+                    <a:pt x="7129" y="2284771"/>
+                  </a:lnTo>
+                  <a:lnTo>
+                    <a:pt x="2139" y="2368630"/>
+                  </a:lnTo>
+                  <a:lnTo>
+                    <a:pt x="0" y="2452611"/>
+                  </a:lnTo>
+                  <a:lnTo>
+                    <a:pt x="713" y="2536615"/>
+                  </a:lnTo>
+                  <a:lnTo>
+                    <a:pt x="4278" y="2620547"/>
+                  </a:lnTo>
+                  <a:lnTo>
+                    <a:pt x="10692" y="2704310"/>
+                  </a:lnTo>
+                  <a:lnTo>
+                    <a:pt x="19946" y="2787806"/>
+                  </a:lnTo>
+                  <a:lnTo>
+                    <a:pt x="32029" y="2870941"/>
+                  </a:lnTo>
+                  <a:lnTo>
+                    <a:pt x="46929" y="2953616"/>
+                  </a:lnTo>
+                  <a:lnTo>
+                    <a:pt x="64628" y="3035739"/>
+                  </a:lnTo>
+                  <a:lnTo>
+                    <a:pt x="85105" y="3117212"/>
+                  </a:lnTo>
+                  <a:lnTo>
+                    <a:pt x="108337" y="3197944"/>
+                  </a:lnTo>
+                  <a:lnTo>
+                    <a:pt x="134297" y="3277840"/>
+                  </a:lnTo>
+                  <a:lnTo>
+                    <a:pt x="162955" y="3356809"/>
+                  </a:lnTo>
+                  <a:lnTo>
+                    <a:pt x="194277" y="3434758"/>
+                  </a:lnTo>
+                  <a:lnTo>
+                    <a:pt x="228229" y="3511600"/>
+                  </a:lnTo>
+                  <a:lnTo>
+                    <a:pt x="264770" y="3587244"/>
+                  </a:lnTo>
+                  <a:lnTo>
+                    <a:pt x="303859" y="3661603"/>
+                  </a:lnTo>
+                  <a:lnTo>
+                    <a:pt x="345451" y="3734593"/>
+                  </a:lnTo>
+                  <a:lnTo>
+                    <a:pt x="389497" y="3806128"/>
+                  </a:lnTo>
+                  <a:lnTo>
+                    <a:pt x="435946" y="3876126"/>
+                  </a:lnTo>
+                  <a:lnTo>
+                    <a:pt x="484746" y="3944506"/>
+                  </a:lnTo>
+                  <a:lnTo>
+                    <a:pt x="535839" y="4011190"/>
+                  </a:lnTo>
+                  <a:lnTo>
+                    <a:pt x="589168" y="4076101"/>
+                  </a:lnTo>
+                  <a:lnTo>
+                    <a:pt x="644669" y="4139163"/>
+                  </a:lnTo>
+                  <a:lnTo>
+                    <a:pt x="702281" y="4200304"/>
+                  </a:lnTo>
+                  <a:lnTo>
+                    <a:pt x="761935" y="4259454"/>
+                  </a:lnTo>
+                  <a:lnTo>
+                    <a:pt x="823563" y="4316544"/>
+                  </a:lnTo>
+                  <a:lnTo>
+                    <a:pt x="887094" y="4371508"/>
+                  </a:lnTo>
+                  <a:lnTo>
+                    <a:pt x="952455" y="4424284"/>
+                  </a:lnTo>
+                  <a:lnTo>
+                    <a:pt x="1019570" y="4474809"/>
+                  </a:lnTo>
+                  <a:lnTo>
+                    <a:pt x="1088363" y="4523026"/>
+                  </a:lnTo>
+                  <a:lnTo>
+                    <a:pt x="1158753" y="4568880"/>
+                  </a:lnTo>
+                  <a:lnTo>
+                    <a:pt x="1230659" y="4612317"/>
+                  </a:lnTo>
+                  <a:lnTo>
+                    <a:pt x="1303999" y="4653287"/>
+                  </a:lnTo>
+                  <a:lnTo>
+                    <a:pt x="1378688" y="4691743"/>
+                  </a:lnTo>
+                  <a:lnTo>
+                    <a:pt x="1454640" y="4727641"/>
+                  </a:lnTo>
+                  <a:lnTo>
+                    <a:pt x="1531766" y="4760939"/>
+                  </a:lnTo>
+                  <a:lnTo>
+                    <a:pt x="1609979" y="4791599"/>
+                  </a:lnTo>
+                  <a:lnTo>
+                    <a:pt x="1689188" y="4819585"/>
+                  </a:lnTo>
+                  <a:lnTo>
+                    <a:pt x="1769302" y="4844866"/>
+                  </a:lnTo>
+                  <a:lnTo>
+                    <a:pt x="1850228" y="4867411"/>
+                  </a:lnTo>
+                  <a:lnTo>
+                    <a:pt x="1931873" y="4887196"/>
+                  </a:lnTo>
+                  <a:lnTo>
+                    <a:pt x="2014142" y="4904196"/>
+                  </a:lnTo>
+                  <a:lnTo>
+                    <a:pt x="2096941" y="4918394"/>
+                  </a:lnTo>
+                  <a:lnTo>
+                    <a:pt x="2180175" y="4929771"/>
+                  </a:lnTo>
+                  <a:lnTo>
+                    <a:pt x="2263747" y="4938316"/>
+                  </a:lnTo>
+                  <a:lnTo>
+                    <a:pt x="2347561" y="4944018"/>
+                  </a:lnTo>
+                  <a:lnTo>
+                    <a:pt x="2431520" y="4946871"/>
+                  </a:lnTo>
+                  <a:lnTo>
+                    <a:pt x="2515528" y="4946871"/>
+                  </a:lnTo>
+                  <a:lnTo>
+                    <a:pt x="2599487" y="4944018"/>
+                  </a:lnTo>
+                  <a:lnTo>
+                    <a:pt x="2683301" y="4938316"/>
+                  </a:lnTo>
+                  <a:lnTo>
+                    <a:pt x="2766873" y="4929771"/>
+                  </a:lnTo>
+                  <a:lnTo>
+                    <a:pt x="2850107" y="4918394"/>
+                  </a:lnTo>
+                  <a:lnTo>
+                    <a:pt x="2932906" y="4904196"/>
+                  </a:lnTo>
+                  <a:lnTo>
+                    <a:pt x="3015176" y="4887196"/>
+                  </a:lnTo>
+                  <a:lnTo>
+                    <a:pt x="3096821" y="4867411"/>
+                  </a:lnTo>
+                  <a:lnTo>
+                    <a:pt x="3177747" y="4844866"/>
+                  </a:lnTo>
+                  <a:lnTo>
+                    <a:pt x="3257860" y="4819585"/>
+                  </a:lnTo>
+                  <a:lnTo>
+                    <a:pt x="3337069" y="4791599"/>
+                  </a:lnTo>
+                  <a:lnTo>
+                    <a:pt x="3415282" y="4760939"/>
+                  </a:lnTo>
+                  <a:lnTo>
+                    <a:pt x="3492409" y="4727641"/>
+                  </a:lnTo>
+                  <a:lnTo>
+                    <a:pt x="3568361" y="4691743"/>
+                  </a:lnTo>
+                  <a:lnTo>
+                    <a:pt x="3643049" y="4653287"/>
+                  </a:lnTo>
+                  <a:lnTo>
+                    <a:pt x="3716389" y="4612317"/>
+                  </a:lnTo>
+                  <a:lnTo>
+                    <a:pt x="3788296" y="4568880"/>
+                  </a:lnTo>
+                  <a:lnTo>
+                    <a:pt x="3858686" y="4523026"/>
+                  </a:lnTo>
+                  <a:lnTo>
+                    <a:pt x="3927478" y="4474809"/>
+                  </a:lnTo>
+                  <a:lnTo>
+                    <a:pt x="3994593" y="4424284"/>
+                  </a:lnTo>
+                  <a:lnTo>
+                    <a:pt x="4059954" y="4371508"/>
+                  </a:lnTo>
+                  <a:lnTo>
+                    <a:pt x="4123486" y="4316544"/>
+                  </a:lnTo>
+                  <a:lnTo>
+                    <a:pt x="4185114" y="4259454"/>
+                  </a:lnTo>
+                  <a:lnTo>
+                    <a:pt x="4244768" y="4200304"/>
+                  </a:lnTo>
+                  <a:lnTo>
+                    <a:pt x="4302379" y="4139163"/>
+                  </a:lnTo>
+                  <a:lnTo>
+                    <a:pt x="4357881" y="4076101"/>
+                  </a:lnTo>
+                  <a:lnTo>
+                    <a:pt x="4411209" y="4011190"/>
+                  </a:lnTo>
+                  <a:lnTo>
+                    <a:pt x="4462303" y="3944506"/>
+                  </a:lnTo>
+                  <a:lnTo>
+                    <a:pt x="4511102" y="3876126"/>
+                  </a:lnTo>
+                  <a:lnTo>
+                    <a:pt x="4557552" y="3806128"/>
+                  </a:lnTo>
+                  <a:lnTo>
+                    <a:pt x="4601598" y="3734593"/>
+                  </a:lnTo>
+                  <a:lnTo>
+                    <a:pt x="4643189" y="3661603"/>
+                  </a:lnTo>
+                  <a:lnTo>
+                    <a:pt x="4682278" y="3587244"/>
+                  </a:lnTo>
+                  <a:lnTo>
+                    <a:pt x="4718819" y="3511600"/>
+                  </a:lnTo>
+                  <a:lnTo>
+                    <a:pt x="4752771" y="3434758"/>
+                  </a:lnTo>
+                  <a:lnTo>
+                    <a:pt x="4784094" y="3356809"/>
+                  </a:lnTo>
+                  <a:lnTo>
+                    <a:pt x="4812752" y="3277840"/>
+                  </a:lnTo>
+                  <a:lnTo>
+                    <a:pt x="4838712" y="3197944"/>
+                  </a:lnTo>
+                  <a:lnTo>
+                    <a:pt x="4861943" y="3117212"/>
+                  </a:lnTo>
+                  <a:lnTo>
+                    <a:pt x="4882421" y="3035739"/>
+                  </a:lnTo>
+                  <a:lnTo>
+                    <a:pt x="4900119" y="2953616"/>
+                  </a:lnTo>
+                  <a:lnTo>
+                    <a:pt x="4915019" y="2870941"/>
+                  </a:lnTo>
+                  <a:lnTo>
+                    <a:pt x="4927103" y="2787806"/>
+                  </a:lnTo>
+                  <a:lnTo>
+                    <a:pt x="4936357" y="2704310"/>
+                  </a:lnTo>
+                  <a:lnTo>
+                    <a:pt x="4942770" y="2620547"/>
+                  </a:lnTo>
+                  <a:lnTo>
+                    <a:pt x="4946336" y="2536615"/>
+                  </a:lnTo>
+                  <a:lnTo>
+                    <a:pt x="4947049" y="2452611"/>
+                  </a:lnTo>
+                  <a:lnTo>
+                    <a:pt x="4944909" y="2368630"/>
+                  </a:lnTo>
+                  <a:lnTo>
+                    <a:pt x="4939919" y="2284771"/>
+                  </a:lnTo>
+                  <a:lnTo>
+                    <a:pt x="4932084" y="2201129"/>
+                  </a:lnTo>
+                  <a:lnTo>
+                    <a:pt x="4921414" y="2117802"/>
+                  </a:lnTo>
+                  <a:lnTo>
+                    <a:pt x="4907920" y="2034885"/>
+                  </a:lnTo>
+                  <a:lnTo>
+                    <a:pt x="4891619" y="1952474"/>
+                  </a:lnTo>
+                  <a:lnTo>
+                    <a:pt x="4872528" y="1870664"/>
+                  </a:lnTo>
+                  <a:lnTo>
+                    <a:pt x="4850670" y="1789550"/>
+                  </a:lnTo>
+                  <a:lnTo>
+                    <a:pt x="4826071" y="1709225"/>
+                  </a:lnTo>
+                  <a:lnTo>
+                    <a:pt x="4798758" y="1629781"/>
+                  </a:lnTo>
+                  <a:lnTo>
+                    <a:pt x="4768763" y="1551310"/>
+                  </a:lnTo>
+                  <a:lnTo>
+                    <a:pt x="4736122" y="1473904"/>
+                  </a:lnTo>
+                  <a:lnTo>
+                    <a:pt x="4700870" y="1397650"/>
+                  </a:lnTo>
+                  <a:lnTo>
+                    <a:pt x="4663049" y="1322637"/>
+                  </a:lnTo>
+                  <a:lnTo>
+                    <a:pt x="4622703" y="1248952"/>
+                  </a:lnTo>
+                  <a:lnTo>
+                    <a:pt x="4579879" y="1176680"/>
+                  </a:lnTo>
+                  <a:lnTo>
+                    <a:pt x="4534624" y="1105903"/>
+                  </a:lnTo>
+                  <a:lnTo>
+                    <a:pt x="4486993" y="1036704"/>
+                  </a:lnTo>
+                  <a:lnTo>
+                    <a:pt x="4437039" y="969162"/>
+                  </a:lnTo>
+                  <a:lnTo>
+                    <a:pt x="4384821" y="903355"/>
+                  </a:lnTo>
+                  <a:lnTo>
+                    <a:pt x="4330398" y="839359"/>
+                  </a:lnTo>
+                  <a:lnTo>
+                    <a:pt x="4273833" y="777249"/>
+                  </a:lnTo>
+                  <a:lnTo>
+                    <a:pt x="4215192" y="717094"/>
+                  </a:lnTo>
+                  <a:lnTo>
+                    <a:pt x="4154542" y="658966"/>
+                  </a:lnTo>
+                  <a:lnTo>
+                    <a:pt x="4091953" y="602931"/>
+                  </a:lnTo>
+                  <a:lnTo>
+                    <a:pt x="4027498" y="549053"/>
+                  </a:lnTo>
+                  <a:lnTo>
+                    <a:pt x="3961250" y="497396"/>
+                  </a:lnTo>
+                  <a:lnTo>
+                    <a:pt x="3893287" y="448017"/>
+                  </a:lnTo>
+                  <a:lnTo>
+                    <a:pt x="3823685" y="400975"/>
+                  </a:lnTo>
+                  <a:lnTo>
+                    <a:pt x="3752527" y="356323"/>
+                  </a:lnTo>
+                  <a:lnTo>
+                    <a:pt x="3679893" y="314114"/>
+                  </a:lnTo>
+                  <a:lnTo>
+                    <a:pt x="3605868" y="274395"/>
+                  </a:lnTo>
+                  <a:lnTo>
+                    <a:pt x="3530537" y="237212"/>
+                  </a:lnTo>
+                  <a:lnTo>
+                    <a:pt x="3453987" y="202609"/>
+                  </a:lnTo>
+                  <a:lnTo>
+                    <a:pt x="3376306" y="170626"/>
+                  </a:lnTo>
+                  <a:lnTo>
+                    <a:pt x="3297584" y="141299"/>
+                  </a:lnTo>
+                  <a:lnTo>
+                    <a:pt x="3217911" y="114661"/>
+                  </a:lnTo>
+                  <a:lnTo>
+                    <a:pt x="3137379" y="90745"/>
+                  </a:lnTo>
+                  <a:lnTo>
+                    <a:pt x="3056082" y="69577"/>
+                  </a:lnTo>
+                  <a:lnTo>
+                    <a:pt x="2974113" y="51182"/>
+                  </a:lnTo>
+                  <a:lnTo>
+                    <a:pt x="2891567" y="35580"/>
+                  </a:lnTo>
+                  <a:lnTo>
+                    <a:pt x="2808539" y="22791"/>
+                  </a:lnTo>
+                  <a:lnTo>
+                    <a:pt x="2725124" y="12828"/>
+                  </a:lnTo>
+                  <a:lnTo>
+                    <a:pt x="2641419" y="5704"/>
+                  </a:lnTo>
+                  <a:lnTo>
+                    <a:pt x="2557520" y="1426"/>
+                  </a:lnTo>
+                  <a:lnTo>
+                    <a:pt x="2473524" y="0"/>
+                  </a:lnTo>
+                  <a:lnTo>
+                    <a:pt x="2473524" y="85297"/>
+                  </a:lnTo>
+                  <a:lnTo>
+                    <a:pt x="2473524" y="170594"/>
+                  </a:lnTo>
+                  <a:lnTo>
+                    <a:pt x="2473524" y="255891"/>
+                  </a:lnTo>
+                  <a:lnTo>
+                    <a:pt x="2473524" y="341188"/>
+                  </a:lnTo>
+                  <a:lnTo>
+                    <a:pt x="2473524" y="426485"/>
+                  </a:lnTo>
+                  <a:lnTo>
+                    <a:pt x="2473524" y="511782"/>
+                  </a:lnTo>
+                  <a:lnTo>
+                    <a:pt x="2473524" y="597079"/>
+                  </a:lnTo>
+                  <a:lnTo>
+                    <a:pt x="2473524" y="682376"/>
+                  </a:lnTo>
+                  <a:lnTo>
+                    <a:pt x="2473524" y="767673"/>
+                  </a:lnTo>
+                  <a:lnTo>
+                    <a:pt x="2473524" y="852970"/>
+                  </a:lnTo>
+                  <a:lnTo>
+                    <a:pt x="2473524" y="938267"/>
+                  </a:lnTo>
+                  <a:lnTo>
+                    <a:pt x="2473524" y="1023564"/>
+                  </a:lnTo>
+                  <a:lnTo>
+                    <a:pt x="2473524" y="1108861"/>
+                  </a:lnTo>
+                  <a:lnTo>
+                    <a:pt x="2473524" y="1194158"/>
+                  </a:lnTo>
+                  <a:lnTo>
+                    <a:pt x="2473524" y="1279455"/>
+                  </a:lnTo>
+                  <a:lnTo>
+                    <a:pt x="2473524" y="1364752"/>
+                  </a:lnTo>
+                  <a:lnTo>
+                    <a:pt x="2473524" y="1450049"/>
+                  </a:lnTo>
+                  <a:lnTo>
+                    <a:pt x="2473524" y="1535346"/>
+                  </a:lnTo>
+                  <a:lnTo>
+                    <a:pt x="2473524" y="1620643"/>
+                  </a:lnTo>
+                  <a:lnTo>
+                    <a:pt x="2473524" y="1705940"/>
+                  </a:lnTo>
+                  <a:lnTo>
+                    <a:pt x="2473524" y="1791237"/>
+                  </a:lnTo>
+                  <a:lnTo>
+                    <a:pt x="2473524" y="1876534"/>
+                  </a:lnTo>
+                  <a:lnTo>
+                    <a:pt x="2473524" y="1961831"/>
+                  </a:lnTo>
+                  <a:lnTo>
+                    <a:pt x="2473524" y="2047128"/>
+                  </a:lnTo>
+                  <a:lnTo>
+                    <a:pt x="2473524" y="2132425"/>
+                  </a:lnTo>
+                  <a:lnTo>
+                    <a:pt x="2473524" y="2217722"/>
+                  </a:lnTo>
+                  <a:lnTo>
+                    <a:pt x="2473524" y="2303019"/>
+                  </a:lnTo>
+                  <a:lnTo>
+                    <a:pt x="2473524" y="2388316"/>
                   </a:lnTo>
                   <a:close/>
                 </a:path>
@@ -3061,230 +3061,13 @@
         </p:sp>
         <p:sp>
           <p:nvSpPr>
-            <p:cNvPr id="6" name="pg5"/>
+            <p:cNvPr id="6" name="tx5"/>
             <p:cNvSpPr/>
             <p:nvPr/>
           </p:nvSpPr>
           <p:spPr>
             <a:xfrm>
-              <a:off x="5443820" y="1749568"/>
-              <a:ext cx="42579" cy="2473613"/>
-            </a:xfrm>
-            <a:custGeom>
-              <a:avLst/>
-              <a:pathLst>
-                <a:path w="42579" h="2473613">
-                  <a:moveTo>
-                    <a:pt x="42579" y="2473613"/>
-                  </a:moveTo>
-                  <a:lnTo>
-                    <a:pt x="42579" y="2388316"/>
-                  </a:lnTo>
-                  <a:lnTo>
-                    <a:pt x="42579" y="2303019"/>
-                  </a:lnTo>
-                  <a:lnTo>
-                    <a:pt x="42579" y="2217722"/>
-                  </a:lnTo>
-                  <a:lnTo>
-                    <a:pt x="42579" y="2132425"/>
-                  </a:lnTo>
-                  <a:lnTo>
-                    <a:pt x="42579" y="2047128"/>
-                  </a:lnTo>
-                  <a:lnTo>
-                    <a:pt x="42579" y="1961831"/>
-                  </a:lnTo>
-                  <a:lnTo>
-                    <a:pt x="42579" y="1876534"/>
-                  </a:lnTo>
-                  <a:lnTo>
-                    <a:pt x="42579" y="1791237"/>
-                  </a:lnTo>
-                  <a:lnTo>
-                    <a:pt x="42579" y="1705940"/>
-                  </a:lnTo>
-                  <a:lnTo>
-                    <a:pt x="42579" y="1620643"/>
-                  </a:lnTo>
-                  <a:lnTo>
-                    <a:pt x="42579" y="1535346"/>
-                  </a:lnTo>
-                  <a:lnTo>
-                    <a:pt x="42579" y="1450049"/>
-                  </a:lnTo>
-                  <a:lnTo>
-                    <a:pt x="42579" y="1364752"/>
-                  </a:lnTo>
-                  <a:lnTo>
-                    <a:pt x="42579" y="1279455"/>
-                  </a:lnTo>
-                  <a:lnTo>
-                    <a:pt x="42579" y="1194158"/>
-                  </a:lnTo>
-                  <a:lnTo>
-                    <a:pt x="42579" y="1108861"/>
-                  </a:lnTo>
-                  <a:lnTo>
-                    <a:pt x="42579" y="1023564"/>
-                  </a:lnTo>
-                  <a:lnTo>
-                    <a:pt x="42579" y="938267"/>
-                  </a:lnTo>
-                  <a:lnTo>
-                    <a:pt x="42579" y="852970"/>
-                  </a:lnTo>
-                  <a:lnTo>
-                    <a:pt x="42579" y="767673"/>
-                  </a:lnTo>
-                  <a:lnTo>
-                    <a:pt x="42579" y="682376"/>
-                  </a:lnTo>
-                  <a:lnTo>
-                    <a:pt x="42579" y="597079"/>
-                  </a:lnTo>
-                  <a:lnTo>
-                    <a:pt x="42579" y="511782"/>
-                  </a:lnTo>
-                  <a:lnTo>
-                    <a:pt x="42579" y="426485"/>
-                  </a:lnTo>
-                  <a:lnTo>
-                    <a:pt x="42579" y="341188"/>
-                  </a:lnTo>
-                  <a:lnTo>
-                    <a:pt x="42579" y="255891"/>
-                  </a:lnTo>
-                  <a:lnTo>
-                    <a:pt x="42579" y="170594"/>
-                  </a:lnTo>
-                  <a:lnTo>
-                    <a:pt x="42579" y="85297"/>
-                  </a:lnTo>
-                  <a:lnTo>
-                    <a:pt x="42579" y="0"/>
-                  </a:lnTo>
-                  <a:lnTo>
-                    <a:pt x="0" y="366"/>
-                  </a:lnTo>
-                  <a:lnTo>
-                    <a:pt x="1468" y="85650"/>
-                  </a:lnTo>
-                  <a:lnTo>
-                    <a:pt x="2936" y="170935"/>
-                  </a:lnTo>
-                  <a:lnTo>
-                    <a:pt x="4404" y="256219"/>
-                  </a:lnTo>
-                  <a:lnTo>
-                    <a:pt x="5872" y="341504"/>
-                  </a:lnTo>
-                  <a:lnTo>
-                    <a:pt x="7341" y="426788"/>
-                  </a:lnTo>
-                  <a:lnTo>
-                    <a:pt x="8809" y="512072"/>
-                  </a:lnTo>
-                  <a:lnTo>
-                    <a:pt x="10277" y="597357"/>
-                  </a:lnTo>
-                  <a:lnTo>
-                    <a:pt x="11745" y="682641"/>
-                  </a:lnTo>
-                  <a:lnTo>
-                    <a:pt x="13214" y="767926"/>
-                  </a:lnTo>
-                  <a:lnTo>
-                    <a:pt x="14682" y="853210"/>
-                  </a:lnTo>
-                  <a:lnTo>
-                    <a:pt x="16150" y="938494"/>
-                  </a:lnTo>
-                  <a:lnTo>
-                    <a:pt x="17618" y="1023779"/>
-                  </a:lnTo>
-                  <a:lnTo>
-                    <a:pt x="19087" y="1109063"/>
-                  </a:lnTo>
-                  <a:lnTo>
-                    <a:pt x="20555" y="1194348"/>
-                  </a:lnTo>
-                  <a:lnTo>
-                    <a:pt x="22023" y="1279632"/>
-                  </a:lnTo>
-                  <a:lnTo>
-                    <a:pt x="23491" y="1364916"/>
-                  </a:lnTo>
-                  <a:lnTo>
-                    <a:pt x="24960" y="1450201"/>
-                  </a:lnTo>
-                  <a:lnTo>
-                    <a:pt x="26428" y="1535485"/>
-                  </a:lnTo>
-                  <a:lnTo>
-                    <a:pt x="27896" y="1620769"/>
-                  </a:lnTo>
-                  <a:lnTo>
-                    <a:pt x="29364" y="1706054"/>
-                  </a:lnTo>
-                  <a:lnTo>
-                    <a:pt x="30833" y="1791338"/>
-                  </a:lnTo>
-                  <a:lnTo>
-                    <a:pt x="32301" y="1876623"/>
-                  </a:lnTo>
-                  <a:lnTo>
-                    <a:pt x="33769" y="1961907"/>
-                  </a:lnTo>
-                  <a:lnTo>
-                    <a:pt x="35237" y="2047191"/>
-                  </a:lnTo>
-                  <a:lnTo>
-                    <a:pt x="36706" y="2132476"/>
-                  </a:lnTo>
-                  <a:lnTo>
-                    <a:pt x="38174" y="2217760"/>
-                  </a:lnTo>
-                  <a:lnTo>
-                    <a:pt x="39642" y="2303045"/>
-                  </a:lnTo>
-                  <a:lnTo>
-                    <a:pt x="41110" y="2388329"/>
-                  </a:lnTo>
-                  <a:close/>
-                </a:path>
-              </a:pathLst>
-            </a:custGeom>
-            <a:solidFill>
-              <a:srgbClr val="819595">
-                <a:alpha val="100000"/>
-              </a:srgbClr>
-            </a:solidFill>
-            <a:ln w="13550" cap="flat">
-              <a:solidFill>
-                <a:srgbClr val="000000">
-                  <a:alpha val="100000"/>
-                </a:srgbClr>
-              </a:solidFill>
-              <a:prstDash val="solid"/>
-              <a:miter/>
-            </a:ln>
-          </p:spPr>
-          <p:txBody>
-            <a:bodyPr/>
-            <a:lstStyle/>
-            <a:p/>
-          </p:txBody>
-        </p:sp>
-        <p:sp>
-          <p:nvSpPr>
-            <p:cNvPr id="7" name="tx6"/>
-            <p:cNvSpPr/>
-            <p:nvPr/>
-          </p:nvSpPr>
-          <p:spPr>
-            <a:xfrm>
-              <a:off x="4846509" y="5177862"/>
+              <a:off x="4835864" y="5177907"/>
               <a:ext cx="1301071" cy="203576"/>
             </a:xfrm>
             <a:prstGeom prst="rect">
@@ -3324,14 +3107,14 @@
         </p:sp>
         <p:sp>
           <p:nvSpPr>
-            <p:cNvPr id="8" name="tx7"/>
+            <p:cNvPr id="7" name="tx6"/>
             <p:cNvSpPr/>
             <p:nvPr/>
           </p:nvSpPr>
           <p:spPr>
             <a:xfrm>
-              <a:off x="5286057" y="5535060"/>
-              <a:ext cx="421974" cy="158584"/>
+              <a:off x="5148904" y="5530130"/>
+              <a:ext cx="674990" cy="163560"/>
             </a:xfrm>
             <a:prstGeom prst="rect">
               <a:avLst/>
@@ -3363,106 +3146,14 @@
                   <a:latin typeface="Arial"/>
                   <a:cs typeface="Arial"/>
                 </a:rPr>
-                <a:t> 364</a:t>
+                <a:t> 100 %</a:t>
               </a:r>
             </a:p>
           </p:txBody>
         </p:sp>
         <p:sp>
           <p:nvSpPr>
-            <p:cNvPr id="9" name="tx8"/>
-            <p:cNvSpPr/>
-            <p:nvPr/>
-          </p:nvSpPr>
-          <p:spPr>
-            <a:xfrm>
-              <a:off x="4969829" y="2747320"/>
-              <a:ext cx="1011850" cy="160596"/>
-            </a:xfrm>
-            <a:prstGeom prst="rect">
-              <a:avLst/>
-            </a:prstGeom>
-            <a:noFill/>
-          </p:spPr>
-          <p:txBody>
-            <a:bodyPr lIns="0" rIns="0" tIns="0" bIns="0" anchorCtr="1" anchor="ctr" wrap="none"/>
-            <a:lstStyle/>
-            <a:p>
-              <a:pPr algn="l" marL="0" marR="0" indent="0">
-                <a:lnSpc>
-                  <a:spcPts val="1707"/>
-                </a:lnSpc>
-                <a:spcBef>
-                  <a:spcPts val="0"/>
-                </a:spcBef>
-                <a:spcAft>
-                  <a:spcPts val="0"/>
-                </a:spcAft>
-              </a:pPr>
-              <a:r>
-                <a:rPr sz="1707">
-                  <a:solidFill>
-                    <a:srgbClr val="000000">
-                      <a:alpha val="100000"/>
-                    </a:srgbClr>
-                  </a:solidFill>
-                  <a:latin typeface="Arial"/>
-                  <a:cs typeface="Arial"/>
-                </a:rPr>
-                <a:t>No TORC </a:t>
-              </a:r>
-            </a:p>
-          </p:txBody>
-        </p:sp>
-        <p:sp>
-          <p:nvSpPr>
-            <p:cNvPr id="10" name="tx9"/>
-            <p:cNvSpPr/>
-            <p:nvPr/>
-          </p:nvSpPr>
-          <p:spPr>
-            <a:xfrm>
-              <a:off x="5385346" y="3064290"/>
-              <a:ext cx="180816" cy="155832"/>
-            </a:xfrm>
-            <a:prstGeom prst="rect">
-              <a:avLst/>
-            </a:prstGeom>
-            <a:noFill/>
-          </p:spPr>
-          <p:txBody>
-            <a:bodyPr lIns="0" rIns="0" tIns="0" bIns="0" anchorCtr="1" anchor="ctr" wrap="none"/>
-            <a:lstStyle/>
-            <a:p>
-              <a:pPr algn="l" marL="0" marR="0" indent="0">
-                <a:lnSpc>
-                  <a:spcPts val="1707"/>
-                </a:lnSpc>
-                <a:spcBef>
-                  <a:spcPts val="0"/>
-                </a:spcBef>
-                <a:spcAft>
-                  <a:spcPts val="0"/>
-                </a:spcAft>
-              </a:pPr>
-              <a:r>
-                <a:rPr sz="1707">
-                  <a:solidFill>
-                    <a:srgbClr val="000000">
-                      <a:alpha val="100000"/>
-                    </a:srgbClr>
-                  </a:solidFill>
-                  <a:latin typeface="Arial"/>
-                  <a:cs typeface="Arial"/>
-                </a:rPr>
-                <a:t> 1</a:t>
-              </a:r>
-            </a:p>
-          </p:txBody>
-        </p:sp>
-        <p:sp>
-          <p:nvSpPr>
-            <p:cNvPr id="11" name="tx10"/>
+            <p:cNvPr id="8" name="tx7"/>
             <p:cNvSpPr/>
             <p:nvPr/>
           </p:nvSpPr>
